--- a/Experiment Planning/Show_Tell1-24.pptx
+++ b/Experiment Planning/Show_Tell1-24.pptx
@@ -111,6 +111,11 @@
       </a:defRPr>
     </a:lvl9pPr>
   </p:defaultTextStyle>
+  <p:extLst>
+    <p:ext uri="{EFAFB233-063F-42B5-8137-9DF3F51BA10A}">
+      <p15:sldGuideLst xmlns:p15="http://schemas.microsoft.com/office/powerpoint/2012/main"/>
+    </p:ext>
+  </p:extLst>
 </p:presentation>
 </file>
 
@@ -265,7 +270,7 @@
           <a:p>
             <a:fld id="{23FEA57E-7C1A-457B-A4CD-5DCEB057B502}" type="datetime1">
               <a:rPr lang="en-US" smtClean="0"/>
-              <a:t>1/23/25</a:t>
+              <a:t>2/12/25</a:t>
             </a:fld>
             <a:endParaRPr lang="en-US" dirty="0"/>
           </a:p>
@@ -468,7 +473,7 @@
           <a:p>
             <a:fld id="{11789749-A4CD-447F-8298-2B7988C91CEA}" type="datetime1">
               <a:rPr lang="en-US" smtClean="0"/>
-              <a:t>1/23/25</a:t>
+              <a:t>2/12/25</a:t>
             </a:fld>
             <a:endParaRPr lang="en-US"/>
           </a:p>
@@ -679,7 +684,7 @@
           <a:p>
             <a:fld id="{BA0444D3-C0BA-4587-A56C-581AB9F841BE}" type="datetime1">
               <a:rPr lang="en-US" smtClean="0"/>
-              <a:t>1/23/25</a:t>
+              <a:t>2/12/25</a:t>
             </a:fld>
             <a:endParaRPr lang="en-US"/>
           </a:p>
@@ -893,7 +898,7 @@
           <a:p>
             <a:fld id="{201AF2CE-4F37-411C-A3EE-BBBE223265BF}" type="datetime1">
               <a:rPr lang="en-US" smtClean="0"/>
-              <a:t>1/23/25</a:t>
+              <a:t>2/12/25</a:t>
             </a:fld>
             <a:endParaRPr lang="en-US"/>
           </a:p>
@@ -1174,7 +1179,7 @@
           <a:p>
             <a:fld id="{C96083D4-708C-4BB5-B4FD-30CE9FA12FD5}" type="datetime1">
               <a:rPr lang="en-US" smtClean="0"/>
-              <a:t>1/23/25</a:t>
+              <a:t>2/12/25</a:t>
             </a:fld>
             <a:endParaRPr lang="en-US"/>
           </a:p>
@@ -1454,7 +1459,7 @@
           <a:p>
             <a:fld id="{D0D239B2-65BC-4C2A-A62B-3EABFE9590E4}" type="datetime1">
               <a:rPr lang="en-US" smtClean="0"/>
-              <a:t>1/23/25</a:t>
+              <a:t>2/12/25</a:t>
             </a:fld>
             <a:endParaRPr lang="en-US"/>
           </a:p>
@@ -1876,7 +1881,7 @@
           <a:p>
             <a:fld id="{85E05F5A-E4A3-476F-A89E-C2B73F2431E4}" type="datetime1">
               <a:rPr lang="en-US" smtClean="0"/>
-              <a:t>1/23/25</a:t>
+              <a:t>2/12/25</a:t>
             </a:fld>
             <a:endParaRPr lang="en-US"/>
           </a:p>
@@ -2021,7 +2026,7 @@
           <a:p>
             <a:fld id="{E3761515-4A26-4F31-9F61-5A10B1FABBFC}" type="datetime1">
               <a:rPr lang="en-US" smtClean="0"/>
-              <a:t>1/23/25</a:t>
+              <a:t>2/12/25</a:t>
             </a:fld>
             <a:endParaRPr lang="en-US"/>
           </a:p>
@@ -2137,7 +2142,7 @@
           <a:p>
             <a:fld id="{4A75DC65-7D1F-4BAB-9695-F7E734143E14}" type="datetime1">
               <a:rPr lang="en-US" smtClean="0"/>
-              <a:t>1/23/25</a:t>
+              <a:t>2/12/25</a:t>
             </a:fld>
             <a:endParaRPr lang="en-US"/>
           </a:p>
@@ -2451,7 +2456,7 @@
           <a:p>
             <a:fld id="{7E624077-BD55-4036-8E92-6558FDF3B653}" type="datetime1">
               <a:rPr lang="en-US" smtClean="0"/>
-              <a:t>1/23/25</a:t>
+              <a:t>2/12/25</a:t>
             </a:fld>
             <a:endParaRPr lang="en-US"/>
           </a:p>
@@ -2745,7 +2750,7 @@
           <a:p>
             <a:fld id="{804225F2-7107-4609-BCC2-77C63064A5E8}" type="datetime1">
               <a:rPr lang="en-US" smtClean="0"/>
-              <a:t>1/23/25</a:t>
+              <a:t>2/12/25</a:t>
             </a:fld>
             <a:endParaRPr lang="en-US"/>
           </a:p>
@@ -2993,7 +2998,7 @@
           <a:p>
             <a:fld id="{D3FE42E8-8B57-452D-A122-4DCE9AC771EF}" type="datetime1">
               <a:rPr lang="en-US" smtClean="0"/>
-              <a:t>1/23/25</a:t>
+              <a:t>2/12/25</a:t>
             </a:fld>
             <a:endParaRPr lang="en-US"/>
           </a:p>
